--- a/Draft/Infineon product Mind Map and Selection Tool.pptx
+++ b/Draft/Infineon product Mind Map and Selection Tool.pptx
@@ -9639,15 +9639,247 @@
           <a:p>
             <a:r>
               <a:rPr lang="en-US" dirty="0" smtClean="0"/>
-              <a:t>Starting page</a:t>
-            </a:r>
+              <a:t>START HERE:</a:t>
+            </a:r>
+            <a:br>
+              <a:rPr lang="en-US" dirty="0" smtClean="0"/>
+            </a:br>
             <a:endParaRPr lang="ru-RU" dirty="0"/>
+          </a:p>
+        </p:txBody>
+      </p:sp>
+      <p:sp>
+        <p:nvSpPr>
+          <p:cNvPr id="6" name="Date Placeholder 5"/>
+          <p:cNvSpPr>
+            <a:spLocks noGrp="1"/>
+          </p:cNvSpPr>
+          <p:nvPr>
+            <p:ph type="dt" sz="half" idx="15"/>
+          </p:nvPr>
+        </p:nvSpPr>
+        <p:spPr/>
+        <p:txBody>
+          <a:bodyPr/>
+          <a:lstStyle/>
+          <a:p>
+            <a:r>
+              <a:rPr lang="en-US" smtClean="0"/>
+              <a:t>2018-07-26   </a:t>
+            </a:r>
+            <a:r>
+              <a:rPr lang="en-US" b="1" smtClean="0"/>
+              <a:t>restricted</a:t>
+            </a:r>
+            <a:endParaRPr lang="ru-RU" b="1"/>
+          </a:p>
+        </p:txBody>
+      </p:sp>
+      <p:sp>
+        <p:nvSpPr>
+          <p:cNvPr id="19" name="TextBox 18"/>
+          <p:cNvSpPr txBox="1"/>
+          <p:nvPr/>
+        </p:nvSpPr>
+        <p:spPr bwMode="auto">
+          <a:xfrm>
+            <a:off x="5791201" y="1467534"/>
+            <a:ext cx="3276600" cy="646331"/>
+          </a:xfrm>
+          <a:prstGeom prst="rect">
+            <a:avLst/>
+          </a:prstGeom>
+          <a:noFill/>
+          <a:ln w="9525">
+            <a:noFill/>
+            <a:miter lim="800000"/>
+            <a:headEnd/>
+            <a:tailEnd/>
+          </a:ln>
+          <a:effectLst/>
+        </p:spPr>
+        <p:txBody>
+          <a:bodyPr wrap="square" lIns="0" tIns="0" rIns="0" bIns="0" rtlCol="0" anchor="ctr" anchorCtr="0">
+            <a:spAutoFit/>
+          </a:bodyPr>
+          <a:lstStyle/>
+          <a:p>
+            <a:pPr marR="0" defTabSz="914400" eaLnBrk="0" fontAlgn="auto" latinLnBrk="0" hangingPunct="0">
+              <a:spcBef>
+                <a:spcPts val="0"/>
+              </a:spcBef>
+              <a:spcAft>
+                <a:spcPts val="300"/>
+              </a:spcAft>
+              <a:buClr>
+                <a:schemeClr val="accent1"/>
+              </a:buClr>
+              <a:buSzTx/>
+              <a:tabLst/>
+            </a:pPr>
+            <a:r>
+              <a:rPr lang="en-US" sz="1400" kern="0" dirty="0" smtClean="0">
+                <a:solidFill>
+                  <a:srgbClr val="FF0000"/>
+                </a:solidFill>
+                <a:latin typeface="Verdana" pitchFamily="34" charset="0"/>
+                <a:ea typeface="Verdana" pitchFamily="34" charset="0"/>
+                <a:cs typeface="Verdana" pitchFamily="34" charset="0"/>
+              </a:rPr>
+              <a:t>Those </a:t>
+            </a:r>
+            <a:r>
+              <a:rPr lang="en-US" sz="1400" kern="0" dirty="0" smtClean="0">
+                <a:solidFill>
+                  <a:srgbClr val="FF0000"/>
+                </a:solidFill>
+                <a:latin typeface="Verdana" pitchFamily="34" charset="0"/>
+                <a:ea typeface="Verdana" pitchFamily="34" charset="0"/>
+                <a:cs typeface="Verdana" pitchFamily="34" charset="0"/>
+              </a:rPr>
+              <a:t>topics have something more.</a:t>
+            </a:r>
+            <a:br>
+              <a:rPr lang="en-US" sz="1400" kern="0" dirty="0" smtClean="0">
+                <a:solidFill>
+                  <a:srgbClr val="FF0000"/>
+                </a:solidFill>
+                <a:latin typeface="Verdana" pitchFamily="34" charset="0"/>
+                <a:ea typeface="Verdana" pitchFamily="34" charset="0"/>
+                <a:cs typeface="Verdana" pitchFamily="34" charset="0"/>
+              </a:rPr>
+            </a:br>
+            <a:r>
+              <a:rPr lang="en-US" sz="1400" kern="0" dirty="0" smtClean="0">
+                <a:solidFill>
+                  <a:srgbClr val="FF0000"/>
+                </a:solidFill>
+                <a:latin typeface="Verdana" pitchFamily="34" charset="0"/>
+                <a:ea typeface="Verdana" pitchFamily="34" charset="0"/>
+                <a:cs typeface="Verdana" pitchFamily="34" charset="0"/>
+              </a:rPr>
+              <a:t>Now click on icon inside MOSFET topic*</a:t>
+            </a:r>
+            <a:endParaRPr lang="ru-RU" sz="1400" kern="0" dirty="0" smtClean="0">
+              <a:solidFill>
+                <a:srgbClr val="FF0000"/>
+              </a:solidFill>
+              <a:latin typeface="Verdana" pitchFamily="34" charset="0"/>
+              <a:ea typeface="Verdana" pitchFamily="34" charset="0"/>
+              <a:cs typeface="Verdana" pitchFamily="34" charset="0"/>
+            </a:endParaRPr>
+          </a:p>
+        </p:txBody>
+      </p:sp>
+      <p:sp>
+        <p:nvSpPr>
+          <p:cNvPr id="20" name="TextBox 19"/>
+          <p:cNvSpPr txBox="1"/>
+          <p:nvPr/>
+        </p:nvSpPr>
+        <p:spPr bwMode="auto">
+          <a:xfrm>
+            <a:off x="493216" y="5959986"/>
+            <a:ext cx="6198813" cy="484748"/>
+          </a:xfrm>
+          <a:prstGeom prst="rect">
+            <a:avLst/>
+          </a:prstGeom>
+          <a:noFill/>
+          <a:ln w="9525">
+            <a:noFill/>
+            <a:miter lim="800000"/>
+            <a:headEnd/>
+            <a:tailEnd/>
+          </a:ln>
+          <a:effectLst/>
+        </p:spPr>
+        <p:txBody>
+          <a:bodyPr wrap="none" lIns="0" tIns="0" rIns="0" bIns="0" rtlCol="0" anchor="ctr" anchorCtr="0">
+            <a:spAutoFit/>
+          </a:bodyPr>
+          <a:lstStyle/>
+          <a:p>
+            <a:pPr marR="0" defTabSz="914400" eaLnBrk="0" fontAlgn="auto" latinLnBrk="0" hangingPunct="0">
+              <a:spcBef>
+                <a:spcPts val="0"/>
+              </a:spcBef>
+              <a:spcAft>
+                <a:spcPts val="300"/>
+              </a:spcAft>
+              <a:buClr>
+                <a:schemeClr val="accent1"/>
+              </a:buClr>
+              <a:buSzTx/>
+              <a:tabLst/>
+            </a:pPr>
+            <a:r>
+              <a:rPr lang="en-US" sz="1050" kern="0" dirty="0" smtClean="0">
+                <a:solidFill>
+                  <a:srgbClr val="FF0000"/>
+                </a:solidFill>
+                <a:latin typeface="Verdana" pitchFamily="34" charset="0"/>
+                <a:ea typeface="Verdana" pitchFamily="34" charset="0"/>
+                <a:cs typeface="Verdana" pitchFamily="34" charset="0"/>
+              </a:rPr>
+              <a:t>* The icon appearance can be different on the system where XMind is not installed</a:t>
+            </a:r>
+            <a:br>
+              <a:rPr lang="en-US" sz="1050" kern="0" dirty="0" smtClean="0">
+                <a:solidFill>
+                  <a:srgbClr val="FF0000"/>
+                </a:solidFill>
+                <a:latin typeface="Verdana" pitchFamily="34" charset="0"/>
+                <a:ea typeface="Verdana" pitchFamily="34" charset="0"/>
+                <a:cs typeface="Verdana" pitchFamily="34" charset="0"/>
+              </a:rPr>
+            </a:br>
+            <a:r>
+              <a:rPr lang="en-US" sz="1050" kern="0" dirty="0" smtClean="0">
+                <a:solidFill>
+                  <a:srgbClr val="FF0000"/>
+                </a:solidFill>
+                <a:latin typeface="Verdana" pitchFamily="34" charset="0"/>
+                <a:ea typeface="Verdana" pitchFamily="34" charset="0"/>
+                <a:cs typeface="Verdana" pitchFamily="34" charset="0"/>
+              </a:rPr>
+              <a:t>Most probably it will be “white sheet” icon which means “unknown file type” in Windows 10</a:t>
+            </a:r>
+            <a:br>
+              <a:rPr lang="en-US" sz="1050" kern="0" dirty="0" smtClean="0">
+                <a:solidFill>
+                  <a:srgbClr val="FF0000"/>
+                </a:solidFill>
+                <a:latin typeface="Verdana" pitchFamily="34" charset="0"/>
+                <a:ea typeface="Verdana" pitchFamily="34" charset="0"/>
+                <a:cs typeface="Verdana" pitchFamily="34" charset="0"/>
+              </a:rPr>
+            </a:br>
+            <a:r>
+              <a:rPr lang="en-US" sz="1050" kern="0" dirty="0" smtClean="0">
+                <a:solidFill>
+                  <a:srgbClr val="FF0000"/>
+                </a:solidFill>
+                <a:latin typeface="Verdana" pitchFamily="34" charset="0"/>
+                <a:ea typeface="Verdana" pitchFamily="34" charset="0"/>
+                <a:cs typeface="Verdana" pitchFamily="34" charset="0"/>
+              </a:rPr>
+              <a:t>Don’t worry about this. Just click it.</a:t>
+            </a:r>
+            <a:endParaRPr lang="ru-RU" sz="1050" kern="0" dirty="0" smtClean="0">
+              <a:solidFill>
+                <a:srgbClr val="FF0000"/>
+              </a:solidFill>
+              <a:latin typeface="Verdana" pitchFamily="34" charset="0"/>
+              <a:ea typeface="Verdana" pitchFamily="34" charset="0"/>
+              <a:cs typeface="Verdana" pitchFamily="34" charset="0"/>
+            </a:endParaRPr>
           </a:p>
         </p:txBody>
       </p:sp>
       <p:pic>
         <p:nvPicPr>
-          <p:cNvPr id="7" name="Content Placeholder 6"/>
+          <p:cNvPr id="8" name="Content Placeholder 7"/>
           <p:cNvPicPr>
             <a:picLocks noGrp="1" noChangeAspect="1"/>
           </p:cNvPicPr>
@@ -9669,38 +9901,11 @@
         </p:blipFill>
         <p:spPr>
           <a:xfrm>
-            <a:off x="250825" y="1769529"/>
-            <a:ext cx="8642350" cy="4111104"/>
+            <a:off x="381000" y="1017186"/>
+            <a:ext cx="4887414" cy="4834334"/>
           </a:xfrm>
         </p:spPr>
       </p:pic>
-      <p:sp>
-        <p:nvSpPr>
-          <p:cNvPr id="6" name="Date Placeholder 5"/>
-          <p:cNvSpPr>
-            <a:spLocks noGrp="1"/>
-          </p:cNvSpPr>
-          <p:nvPr>
-            <p:ph type="dt" sz="half" idx="15"/>
-          </p:nvPr>
-        </p:nvSpPr>
-        <p:spPr/>
-        <p:txBody>
-          <a:bodyPr/>
-          <a:lstStyle/>
-          <a:p>
-            <a:r>
-              <a:rPr lang="en-US" smtClean="0"/>
-              <a:t>2018-07-26   </a:t>
-            </a:r>
-            <a:r>
-              <a:rPr lang="en-US" b="1" smtClean="0"/>
-              <a:t>restricted</a:t>
-            </a:r>
-            <a:endParaRPr lang="ru-RU" b="1"/>
-          </a:p>
-        </p:txBody>
-      </p:sp>
       <p:cxnSp>
         <p:nvCxnSpPr>
           <p:cNvPr id="9" name="Straight Arrow Connector 8"/>
@@ -9708,14 +9913,14 @@
           <p:nvPr/>
         </p:nvCxnSpPr>
         <p:spPr>
-          <a:xfrm>
-            <a:off x="4724400" y="1447800"/>
-            <a:ext cx="1295400" cy="685800"/>
+          <a:xfrm flipH="1" flipV="1">
+            <a:off x="3505200" y="1175539"/>
+            <a:ext cx="2209800" cy="563708"/>
           </a:xfrm>
           <a:prstGeom prst="straightConnector1">
             <a:avLst/>
           </a:prstGeom>
-          <a:ln>
+          <a:ln w="22225">
             <a:tailEnd type="triangle"/>
           </a:ln>
         </p:spPr>
@@ -9742,8 +9947,8 @@
         </p:nvCxnSpPr>
         <p:spPr>
           <a:xfrm flipH="1">
-            <a:off x="2667000" y="1447800"/>
-            <a:ext cx="1905000" cy="1219200"/>
+            <a:off x="4800600" y="1790699"/>
+            <a:ext cx="887186" cy="0"/>
           </a:xfrm>
           <a:prstGeom prst="straightConnector1">
             <a:avLst/>
@@ -9775,8 +9980,8 @@
         </p:nvCxnSpPr>
         <p:spPr>
           <a:xfrm flipH="1">
-            <a:off x="2667000" y="1447800"/>
-            <a:ext cx="1981200" cy="1371600"/>
+            <a:off x="4860036" y="1860589"/>
+            <a:ext cx="827750" cy="196811"/>
           </a:xfrm>
           <a:prstGeom prst="straightConnector1">
             <a:avLst/>
@@ -9800,197 +10005,39 @@
           </a:fontRef>
         </p:style>
       </p:cxnSp>
-      <p:sp>
-        <p:nvSpPr>
-          <p:cNvPr id="19" name="TextBox 18"/>
-          <p:cNvSpPr txBox="1"/>
+      <p:cxnSp>
+        <p:nvCxnSpPr>
+          <p:cNvPr id="18" name="Straight Arrow Connector 17"/>
+          <p:cNvCxnSpPr/>
           <p:nvPr/>
-        </p:nvSpPr>
-        <p:spPr bwMode="auto">
-          <a:xfrm>
-            <a:off x="3352800" y="962334"/>
-            <a:ext cx="3593933" cy="430887"/>
-          </a:xfrm>
-          <a:prstGeom prst="rect">
+        </p:nvCxnSpPr>
+        <p:spPr>
+          <a:xfrm flipH="1" flipV="1">
+            <a:off x="3429000" y="1457393"/>
+            <a:ext cx="2283007" cy="281854"/>
+          </a:xfrm>
+          <a:prstGeom prst="straightConnector1">
             <a:avLst/>
           </a:prstGeom>
-          <a:noFill/>
-          <a:ln w="9525">
-            <a:noFill/>
-            <a:miter lim="800000"/>
-            <a:headEnd/>
-            <a:tailEnd/>
+          <a:ln>
+            <a:tailEnd type="triangle"/>
           </a:ln>
-          <a:effectLst/>
-        </p:spPr>
-        <p:txBody>
-          <a:bodyPr wrap="none" lIns="0" tIns="0" rIns="0" bIns="0" rtlCol="0" anchor="ctr" anchorCtr="0">
-            <a:spAutoFit/>
-          </a:bodyPr>
-          <a:lstStyle/>
-          <a:p>
-            <a:pPr marR="0" defTabSz="914400" eaLnBrk="0" fontAlgn="auto" latinLnBrk="0" hangingPunct="0">
-              <a:spcBef>
-                <a:spcPts val="0"/>
-              </a:spcBef>
-              <a:spcAft>
-                <a:spcPts val="300"/>
-              </a:spcAft>
-              <a:buClr>
-                <a:schemeClr val="accent1"/>
-              </a:buClr>
-              <a:buSzTx/>
-              <a:tabLst/>
-            </a:pPr>
-            <a:r>
-              <a:rPr lang="en-US" sz="1400" kern="0" dirty="0" smtClean="0">
-                <a:solidFill>
-                  <a:srgbClr val="FF0000"/>
-                </a:solidFill>
-                <a:latin typeface="Verdana" pitchFamily="34" charset="0"/>
-                <a:ea typeface="Verdana" pitchFamily="34" charset="0"/>
-                <a:cs typeface="Verdana" pitchFamily="34" charset="0"/>
-              </a:rPr>
-              <a:t>This topics have something more.</a:t>
-            </a:r>
-            <a:br>
-              <a:rPr lang="en-US" sz="1400" kern="0" dirty="0" smtClean="0">
-                <a:solidFill>
-                  <a:srgbClr val="FF0000"/>
-                </a:solidFill>
-                <a:latin typeface="Verdana" pitchFamily="34" charset="0"/>
-                <a:ea typeface="Verdana" pitchFamily="34" charset="0"/>
-                <a:cs typeface="Verdana" pitchFamily="34" charset="0"/>
-              </a:rPr>
-            </a:br>
-            <a:r>
-              <a:rPr lang="en-US" sz="1400" kern="0" dirty="0" smtClean="0">
-                <a:solidFill>
-                  <a:srgbClr val="FF0000"/>
-                </a:solidFill>
-                <a:latin typeface="Verdana" pitchFamily="34" charset="0"/>
-                <a:ea typeface="Verdana" pitchFamily="34" charset="0"/>
-                <a:cs typeface="Verdana" pitchFamily="34" charset="0"/>
-              </a:rPr>
-              <a:t>Now click on icon inside MOSFET topic*</a:t>
-            </a:r>
-            <a:endParaRPr lang="ru-RU" sz="1400" kern="0" dirty="0" smtClean="0">
-              <a:solidFill>
-                <a:srgbClr val="FF0000"/>
-              </a:solidFill>
-              <a:latin typeface="Verdana" pitchFamily="34" charset="0"/>
-              <a:ea typeface="Verdana" pitchFamily="34" charset="0"/>
-              <a:cs typeface="Verdana" pitchFamily="34" charset="0"/>
-            </a:endParaRPr>
-          </a:p>
-        </p:txBody>
-      </p:sp>
-      <p:sp>
-        <p:nvSpPr>
-          <p:cNvPr id="20" name="TextBox 19"/>
-          <p:cNvSpPr txBox="1"/>
-          <p:nvPr/>
-        </p:nvSpPr>
-        <p:spPr bwMode="auto">
-          <a:xfrm>
-            <a:off x="493216" y="5959986"/>
-            <a:ext cx="6198813" cy="484748"/>
-          </a:xfrm>
-          <a:prstGeom prst="rect">
-            <a:avLst/>
-          </a:prstGeom>
-          <a:noFill/>
-          <a:ln w="9525">
-            <a:noFill/>
-            <a:miter lim="800000"/>
-            <a:headEnd/>
-            <a:tailEnd/>
-          </a:ln>
-          <a:effectLst/>
-        </p:spPr>
-        <p:txBody>
-          <a:bodyPr wrap="none" lIns="0" tIns="0" rIns="0" bIns="0" rtlCol="0" anchor="ctr" anchorCtr="0">
-            <a:spAutoFit/>
-          </a:bodyPr>
-          <a:lstStyle/>
-          <a:p>
-            <a:pPr marR="0" defTabSz="914400" eaLnBrk="0" fontAlgn="auto" latinLnBrk="0" hangingPunct="0">
-              <a:spcBef>
-                <a:spcPts val="0"/>
-              </a:spcBef>
-              <a:spcAft>
-                <a:spcPts val="300"/>
-              </a:spcAft>
-              <a:buClr>
-                <a:schemeClr val="accent1"/>
-              </a:buClr>
-              <a:buSzTx/>
-              <a:tabLst/>
-            </a:pPr>
-            <a:r>
-              <a:rPr lang="en-US" sz="1050" kern="0" dirty="0" smtClean="0">
-                <a:solidFill>
-                  <a:srgbClr val="FF0000"/>
-                </a:solidFill>
-                <a:latin typeface="Verdana" pitchFamily="34" charset="0"/>
-                <a:ea typeface="Verdana" pitchFamily="34" charset="0"/>
-                <a:cs typeface="Verdana" pitchFamily="34" charset="0"/>
-              </a:rPr>
-              <a:t>* The icon appearance can be different on the system where XMind is not installed</a:t>
-            </a:r>
-            <a:br>
-              <a:rPr lang="en-US" sz="1050" kern="0" dirty="0" smtClean="0">
-                <a:solidFill>
-                  <a:srgbClr val="FF0000"/>
-                </a:solidFill>
-                <a:latin typeface="Verdana" pitchFamily="34" charset="0"/>
-                <a:ea typeface="Verdana" pitchFamily="34" charset="0"/>
-                <a:cs typeface="Verdana" pitchFamily="34" charset="0"/>
-              </a:rPr>
-            </a:br>
-            <a:r>
-              <a:rPr lang="en-US" sz="1050" kern="0" dirty="0" smtClean="0">
-                <a:solidFill>
-                  <a:srgbClr val="FF0000"/>
-                </a:solidFill>
-                <a:latin typeface="Verdana" pitchFamily="34" charset="0"/>
-                <a:ea typeface="Verdana" pitchFamily="34" charset="0"/>
-                <a:cs typeface="Verdana" pitchFamily="34" charset="0"/>
-              </a:rPr>
-              <a:t>Most probably it will be “white sheet” icon which means “unknown file type” in Windows 10</a:t>
-            </a:r>
-            <a:br>
-              <a:rPr lang="en-US" sz="1050" kern="0" dirty="0" smtClean="0">
-                <a:solidFill>
-                  <a:srgbClr val="FF0000"/>
-                </a:solidFill>
-                <a:latin typeface="Verdana" pitchFamily="34" charset="0"/>
-                <a:ea typeface="Verdana" pitchFamily="34" charset="0"/>
-                <a:cs typeface="Verdana" pitchFamily="34" charset="0"/>
-              </a:rPr>
-            </a:br>
-            <a:r>
-              <a:rPr lang="en-US" sz="1050" kern="0" dirty="0" smtClean="0">
-                <a:solidFill>
-                  <a:srgbClr val="FF0000"/>
-                </a:solidFill>
-                <a:latin typeface="Verdana" pitchFamily="34" charset="0"/>
-                <a:ea typeface="Verdana" pitchFamily="34" charset="0"/>
-                <a:cs typeface="Verdana" pitchFamily="34" charset="0"/>
-              </a:rPr>
-              <a:t>Don’t worry about this. Just click it.</a:t>
-            </a:r>
-            <a:endParaRPr lang="ru-RU" sz="1050" kern="0" dirty="0" smtClean="0">
-              <a:solidFill>
-                <a:srgbClr val="FF0000"/>
-              </a:solidFill>
-              <a:latin typeface="Verdana" pitchFamily="34" charset="0"/>
-              <a:ea typeface="Verdana" pitchFamily="34" charset="0"/>
-              <a:cs typeface="Verdana" pitchFamily="34" charset="0"/>
-            </a:endParaRPr>
-          </a:p>
-        </p:txBody>
-      </p:sp>
+        </p:spPr>
+        <p:style>
+          <a:lnRef idx="1">
+            <a:schemeClr val="accent1"/>
+          </a:lnRef>
+          <a:fillRef idx="0">
+            <a:schemeClr val="accent1"/>
+          </a:fillRef>
+          <a:effectRef idx="0">
+            <a:schemeClr val="accent1"/>
+          </a:effectRef>
+          <a:fontRef idx="minor">
+            <a:schemeClr val="tx1"/>
+          </a:fontRef>
+        </p:style>
+      </p:cxnSp>
     </p:spTree>
     <p:extLst>
       <p:ext uri="{BB962C8B-B14F-4D97-AF65-F5344CB8AC3E}">
